--- a/Doc/A Mobile Application for Locating Mechanic.pptx
+++ b/Doc/A Mobile Application for Locating Mechanic.pptx
@@ -110,7 +110,7 @@
   </p:defaultTextStyle>
   <p:extLst>
     <p:ext uri="{EFAFB233-063F-42B5-8137-9DF3F51BA10A}">
-      <p15:sldGuideLst xmlns:p15="http://schemas.microsoft.com/office/powerpoint/2012/main"/>
+      <p15:sldGuideLst xmlns:p15="http://schemas.microsoft.com/office/powerpoint/2012/main" xmlns=""/>
     </p:ext>
   </p:extLst>
 </p:presentation>
@@ -247,7 +247,7 @@
           <a:p>
             <a:fld id="{54BDDFCF-5968-4F8A-B312-0343F03CB922}" type="datetimeFigureOut">
               <a:rPr lang="en-GB" smtClean="0"/>
-              <a:t>18/07/2016</a:t>
+              <a:t>7/19/16</a:t>
             </a:fld>
             <a:endParaRPr lang="en-GB"/>
           </a:p>
@@ -417,7 +417,7 @@
           <a:p>
             <a:fld id="{54BDDFCF-5968-4F8A-B312-0343F03CB922}" type="datetimeFigureOut">
               <a:rPr lang="en-GB" smtClean="0"/>
-              <a:t>18/07/2016</a:t>
+              <a:t>7/19/16</a:t>
             </a:fld>
             <a:endParaRPr lang="en-GB"/>
           </a:p>
@@ -597,7 +597,7 @@
           <a:p>
             <a:fld id="{54BDDFCF-5968-4F8A-B312-0343F03CB922}" type="datetimeFigureOut">
               <a:rPr lang="en-GB" smtClean="0"/>
-              <a:t>18/07/2016</a:t>
+              <a:t>7/19/16</a:t>
             </a:fld>
             <a:endParaRPr lang="en-GB"/>
           </a:p>
@@ -767,7 +767,7 @@
           <a:p>
             <a:fld id="{54BDDFCF-5968-4F8A-B312-0343F03CB922}" type="datetimeFigureOut">
               <a:rPr lang="en-GB" smtClean="0"/>
-              <a:t>18/07/2016</a:t>
+              <a:t>7/19/16</a:t>
             </a:fld>
             <a:endParaRPr lang="en-GB"/>
           </a:p>
@@ -1013,7 +1013,7 @@
           <a:p>
             <a:fld id="{54BDDFCF-5968-4F8A-B312-0343F03CB922}" type="datetimeFigureOut">
               <a:rPr lang="en-GB" smtClean="0"/>
-              <a:t>18/07/2016</a:t>
+              <a:t>7/19/16</a:t>
             </a:fld>
             <a:endParaRPr lang="en-GB"/>
           </a:p>
@@ -1245,7 +1245,7 @@
           <a:p>
             <a:fld id="{54BDDFCF-5968-4F8A-B312-0343F03CB922}" type="datetimeFigureOut">
               <a:rPr lang="en-GB" smtClean="0"/>
-              <a:t>18/07/2016</a:t>
+              <a:t>7/19/16</a:t>
             </a:fld>
             <a:endParaRPr lang="en-GB"/>
           </a:p>
@@ -1612,7 +1612,7 @@
           <a:p>
             <a:fld id="{54BDDFCF-5968-4F8A-B312-0343F03CB922}" type="datetimeFigureOut">
               <a:rPr lang="en-GB" smtClean="0"/>
-              <a:t>18/07/2016</a:t>
+              <a:t>7/19/16</a:t>
             </a:fld>
             <a:endParaRPr lang="en-GB"/>
           </a:p>
@@ -1730,7 +1730,7 @@
           <a:p>
             <a:fld id="{54BDDFCF-5968-4F8A-B312-0343F03CB922}" type="datetimeFigureOut">
               <a:rPr lang="en-GB" smtClean="0"/>
-              <a:t>18/07/2016</a:t>
+              <a:t>7/19/16</a:t>
             </a:fld>
             <a:endParaRPr lang="en-GB"/>
           </a:p>
@@ -1825,7 +1825,7 @@
           <a:p>
             <a:fld id="{54BDDFCF-5968-4F8A-B312-0343F03CB922}" type="datetimeFigureOut">
               <a:rPr lang="en-GB" smtClean="0"/>
-              <a:t>18/07/2016</a:t>
+              <a:t>7/19/16</a:t>
             </a:fld>
             <a:endParaRPr lang="en-GB"/>
           </a:p>
@@ -2102,7 +2102,7 @@
           <a:p>
             <a:fld id="{54BDDFCF-5968-4F8A-B312-0343F03CB922}" type="datetimeFigureOut">
               <a:rPr lang="en-GB" smtClean="0"/>
-              <a:t>18/07/2016</a:t>
+              <a:t>7/19/16</a:t>
             </a:fld>
             <a:endParaRPr lang="en-GB"/>
           </a:p>
@@ -2355,7 +2355,7 @@
           <a:p>
             <a:fld id="{54BDDFCF-5968-4F8A-B312-0343F03CB922}" type="datetimeFigureOut">
               <a:rPr lang="en-GB" smtClean="0"/>
-              <a:t>18/07/2016</a:t>
+              <a:t>7/19/16</a:t>
             </a:fld>
             <a:endParaRPr lang="en-GB"/>
           </a:p>
@@ -2568,7 +2568,7 @@
           <a:p>
             <a:fld id="{54BDDFCF-5968-4F8A-B312-0343F03CB922}" type="datetimeFigureOut">
               <a:rPr lang="en-GB" smtClean="0"/>
-              <a:t>18/07/2016</a:t>
+              <a:t>7/19/16</a:t>
             </a:fld>
             <a:endParaRPr lang="en-GB"/>
           </a:p>
@@ -3074,7 +3074,19 @@
                 <a:latin typeface="Calibri b"/>
                 <a:cs typeface="Times New Roman" panose="02020603050405020304" pitchFamily="18" charset="0"/>
               </a:rPr>
-              <a:t>Gakii</a:t>
+              <a:t>Gitonga</a:t>
+            </a:r>
+            <a:r>
+              <a:rPr lang="en-US" sz="4000" b="1" smtClean="0">
+                <a:solidFill>
+                  <a:schemeClr val="bg1">
+                    <a:lumMod val="50000"/>
+                  </a:schemeClr>
+                </a:solidFill>
+                <a:latin typeface="Calibri b"/>
+                <a:cs typeface="Times New Roman" panose="02020603050405020304" pitchFamily="18" charset="0"/>
+              </a:rPr>
+              <a:t/>
             </a:r>
             <a:endParaRPr lang="en-US" sz="4000" b="1" dirty="0" smtClean="0">
               <a:solidFill>
@@ -3182,7 +3194,7 @@
   <p:timing>
     <p:tnLst>
       <p:par>
-        <p:cTn id="1" dur="indefinite" restart="never" nodeType="tmRoot"/>
+        <p:cTn xmlns:p14="http://schemas.microsoft.com/office/powerpoint/2010/main" id="1" dur="indefinite" restart="never" nodeType="tmRoot"/>
       </p:par>
     </p:tnLst>
   </p:timing>
@@ -3362,7 +3374,7 @@
   <p:timing>
     <p:tnLst>
       <p:par>
-        <p:cTn id="1" dur="indefinite" restart="never" nodeType="tmRoot"/>
+        <p:cTn xmlns:p14="http://schemas.microsoft.com/office/powerpoint/2010/main" id="1" dur="indefinite" restart="never" nodeType="tmRoot"/>
       </p:par>
     </p:tnLst>
   </p:timing>
@@ -3773,7 +3785,7 @@
   <p:timing>
     <p:tnLst>
       <p:par>
-        <p:cTn id="1" dur="indefinite" restart="never" nodeType="tmRoot"/>
+        <p:cTn xmlns:p14="http://schemas.microsoft.com/office/powerpoint/2010/main" id="1" dur="indefinite" restart="never" nodeType="tmRoot"/>
       </p:par>
     </p:tnLst>
   </p:timing>
@@ -4256,7 +4268,7 @@
   <p:timing>
     <p:tnLst>
       <p:par>
-        <p:cTn id="1" dur="indefinite" restart="never" nodeType="tmRoot"/>
+        <p:cTn xmlns:p14="http://schemas.microsoft.com/office/powerpoint/2010/main" id="1" dur="indefinite" restart="never" nodeType="tmRoot"/>
       </p:par>
     </p:tnLst>
   </p:timing>
@@ -4306,7 +4318,7 @@
     </a:clrScheme>
     <a:fontScheme name="Office">
       <a:majorFont>
-        <a:latin typeface="Calibri Light" panose="020F0302020204030204"/>
+        <a:latin typeface="Calibri Light"/>
         <a:ea typeface=""/>
         <a:cs typeface=""/>
         <a:font script="Jpan" typeface="ＭＳ Ｐゴシック"/>
@@ -4341,7 +4353,7 @@
         <a:font script="Geor" typeface="Sylfaen"/>
       </a:majorFont>
       <a:minorFont>
-        <a:latin typeface="Calibri" panose="020F0502020204030204"/>
+        <a:latin typeface="Calibri"/>
         <a:ea typeface=""/>
         <a:cs typeface=""/>
         <a:font script="Jpan" typeface="ＭＳ Ｐゴシック"/>
@@ -4518,7 +4530,7 @@
   <a:extraClrSchemeLst/>
   <a:extLst>
     <a:ext uri="{05A4C25C-085E-4340-85A3-A5531E510DB2}">
-      <thm15:themeFamily xmlns:thm15="http://schemas.microsoft.com/office/thememl/2012/main" name="Office Theme" id="{62F939B6-93AF-4DB8-9C6B-D6C7DFDC589F}" vid="{4A3C46E8-61CC-4603-A589-7422A47A8E4A}"/>
+      <thm15:themeFamily xmlns:thm15="http://schemas.microsoft.com/office/thememl/2012/main" xmlns="" name="Office Theme" id="{62F939B6-93AF-4DB8-9C6B-D6C7DFDC589F}" vid="{4A3C46E8-61CC-4603-A589-7422A47A8E4A}"/>
     </a:ext>
   </a:extLst>
 </a:theme>

--- a/Doc/A Mobile Application for Locating Mechanic.pptx
+++ b/Doc/A Mobile Application for Locating Mechanic.pptx
@@ -110,7 +110,18 @@
   </p:defaultTextStyle>
   <p:extLst>
     <p:ext uri="{EFAFB233-063F-42B5-8137-9DF3F51BA10A}">
-      <p15:sldGuideLst xmlns:p15="http://schemas.microsoft.com/office/powerpoint/2012/main" xmlns=""/>
+      <p15:sldGuideLst xmlns:p15="http://schemas.microsoft.com/office/powerpoint/2012/main">
+        <p15:guide id="1" orient="horz" pos="2160">
+          <p15:clr>
+            <a:srgbClr val="A4A3A4"/>
+          </p15:clr>
+        </p15:guide>
+        <p15:guide id="2" pos="3840">
+          <p15:clr>
+            <a:srgbClr val="A4A3A4"/>
+          </p15:clr>
+        </p15:guide>
+      </p15:sldGuideLst>
     </p:ext>
   </p:extLst>
 </p:presentation>
@@ -247,7 +258,7 @@
           <a:p>
             <a:fld id="{54BDDFCF-5968-4F8A-B312-0343F03CB922}" type="datetimeFigureOut">
               <a:rPr lang="en-GB" smtClean="0"/>
-              <a:t>7/19/16</a:t>
+              <a:t>30/09/2016</a:t>
             </a:fld>
             <a:endParaRPr lang="en-GB"/>
           </a:p>
@@ -417,7 +428,7 @@
           <a:p>
             <a:fld id="{54BDDFCF-5968-4F8A-B312-0343F03CB922}" type="datetimeFigureOut">
               <a:rPr lang="en-GB" smtClean="0"/>
-              <a:t>7/19/16</a:t>
+              <a:t>30/09/2016</a:t>
             </a:fld>
             <a:endParaRPr lang="en-GB"/>
           </a:p>
@@ -597,7 +608,7 @@
           <a:p>
             <a:fld id="{54BDDFCF-5968-4F8A-B312-0343F03CB922}" type="datetimeFigureOut">
               <a:rPr lang="en-GB" smtClean="0"/>
-              <a:t>7/19/16</a:t>
+              <a:t>30/09/2016</a:t>
             </a:fld>
             <a:endParaRPr lang="en-GB"/>
           </a:p>
@@ -767,7 +778,7 @@
           <a:p>
             <a:fld id="{54BDDFCF-5968-4F8A-B312-0343F03CB922}" type="datetimeFigureOut">
               <a:rPr lang="en-GB" smtClean="0"/>
-              <a:t>7/19/16</a:t>
+              <a:t>30/09/2016</a:t>
             </a:fld>
             <a:endParaRPr lang="en-GB"/>
           </a:p>
@@ -1013,7 +1024,7 @@
           <a:p>
             <a:fld id="{54BDDFCF-5968-4F8A-B312-0343F03CB922}" type="datetimeFigureOut">
               <a:rPr lang="en-GB" smtClean="0"/>
-              <a:t>7/19/16</a:t>
+              <a:t>30/09/2016</a:t>
             </a:fld>
             <a:endParaRPr lang="en-GB"/>
           </a:p>
@@ -1245,7 +1256,7 @@
           <a:p>
             <a:fld id="{54BDDFCF-5968-4F8A-B312-0343F03CB922}" type="datetimeFigureOut">
               <a:rPr lang="en-GB" smtClean="0"/>
-              <a:t>7/19/16</a:t>
+              <a:t>30/09/2016</a:t>
             </a:fld>
             <a:endParaRPr lang="en-GB"/>
           </a:p>
@@ -1612,7 +1623,7 @@
           <a:p>
             <a:fld id="{54BDDFCF-5968-4F8A-B312-0343F03CB922}" type="datetimeFigureOut">
               <a:rPr lang="en-GB" smtClean="0"/>
-              <a:t>7/19/16</a:t>
+              <a:t>30/09/2016</a:t>
             </a:fld>
             <a:endParaRPr lang="en-GB"/>
           </a:p>
@@ -1730,7 +1741,7 @@
           <a:p>
             <a:fld id="{54BDDFCF-5968-4F8A-B312-0343F03CB922}" type="datetimeFigureOut">
               <a:rPr lang="en-GB" smtClean="0"/>
-              <a:t>7/19/16</a:t>
+              <a:t>30/09/2016</a:t>
             </a:fld>
             <a:endParaRPr lang="en-GB"/>
           </a:p>
@@ -1825,7 +1836,7 @@
           <a:p>
             <a:fld id="{54BDDFCF-5968-4F8A-B312-0343F03CB922}" type="datetimeFigureOut">
               <a:rPr lang="en-GB" smtClean="0"/>
-              <a:t>7/19/16</a:t>
+              <a:t>30/09/2016</a:t>
             </a:fld>
             <a:endParaRPr lang="en-GB"/>
           </a:p>
@@ -2102,7 +2113,7 @@
           <a:p>
             <a:fld id="{54BDDFCF-5968-4F8A-B312-0343F03CB922}" type="datetimeFigureOut">
               <a:rPr lang="en-GB" smtClean="0"/>
-              <a:t>7/19/16</a:t>
+              <a:t>30/09/2016</a:t>
             </a:fld>
             <a:endParaRPr lang="en-GB"/>
           </a:p>
@@ -2355,7 +2366,7 @@
           <a:p>
             <a:fld id="{54BDDFCF-5968-4F8A-B312-0343F03CB922}" type="datetimeFigureOut">
               <a:rPr lang="en-GB" smtClean="0"/>
-              <a:t>7/19/16</a:t>
+              <a:t>30/09/2016</a:t>
             </a:fld>
             <a:endParaRPr lang="en-GB"/>
           </a:p>
@@ -2568,7 +2579,7 @@
           <a:p>
             <a:fld id="{54BDDFCF-5968-4F8A-B312-0343F03CB922}" type="datetimeFigureOut">
               <a:rPr lang="en-GB" smtClean="0"/>
-              <a:t>7/19/16</a:t>
+              <a:t>30/09/2016</a:t>
             </a:fld>
             <a:endParaRPr lang="en-GB"/>
           </a:p>
@@ -3076,18 +3087,6 @@
               </a:rPr>
               <a:t>Gitonga</a:t>
             </a:r>
-            <a:r>
-              <a:rPr lang="en-US" sz="4000" b="1" smtClean="0">
-                <a:solidFill>
-                  <a:schemeClr val="bg1">
-                    <a:lumMod val="50000"/>
-                  </a:schemeClr>
-                </a:solidFill>
-                <a:latin typeface="Calibri b"/>
-                <a:cs typeface="Times New Roman" panose="02020603050405020304" pitchFamily="18" charset="0"/>
-              </a:rPr>
-              <a:t/>
-            </a:r>
             <a:endParaRPr lang="en-US" sz="4000" b="1" dirty="0" smtClean="0">
               <a:solidFill>
                 <a:schemeClr val="bg1">
@@ -3194,7 +3193,7 @@
   <p:timing>
     <p:tnLst>
       <p:par>
-        <p:cTn xmlns:p14="http://schemas.microsoft.com/office/powerpoint/2010/main" id="1" dur="indefinite" restart="never" nodeType="tmRoot"/>
+        <p:cTn id="1" dur="indefinite" restart="never" nodeType="tmRoot"/>
       </p:par>
     </p:tnLst>
   </p:timing>
@@ -3345,7 +3344,7 @@
               </a:rPr>
               <a:t>A mechanic is able to see the specific area on a map where the car breaks down and commit to offering the service.</a:t>
             </a:r>
-            <a:endParaRPr lang="en-GB" sz="3200" b="1" dirty="0">
+            <a:endParaRPr lang="en-GB" sz="3200" b="1" dirty="0" smtClean="0">
               <a:solidFill>
                 <a:schemeClr val="bg1">
                   <a:lumMod val="50000"/>
@@ -3374,7 +3373,7 @@
   <p:timing>
     <p:tnLst>
       <p:par>
-        <p:cTn xmlns:p14="http://schemas.microsoft.com/office/powerpoint/2010/main" id="1" dur="indefinite" restart="never" nodeType="tmRoot"/>
+        <p:cTn id="1" dur="indefinite" restart="never" nodeType="tmRoot"/>
       </p:par>
     </p:tnLst>
   </p:timing>
@@ -3785,7 +3784,7 @@
   <p:timing>
     <p:tnLst>
       <p:par>
-        <p:cTn xmlns:p14="http://schemas.microsoft.com/office/powerpoint/2010/main" id="1" dur="indefinite" restart="never" nodeType="tmRoot"/>
+        <p:cTn id="1" dur="indefinite" restart="never" nodeType="tmRoot"/>
       </p:par>
     </p:tnLst>
   </p:timing>
@@ -4268,7 +4267,7 @@
   <p:timing>
     <p:tnLst>
       <p:par>
-        <p:cTn xmlns:p14="http://schemas.microsoft.com/office/powerpoint/2010/main" id="1" dur="indefinite" restart="never" nodeType="tmRoot"/>
+        <p:cTn id="1" dur="indefinite" restart="never" nodeType="tmRoot"/>
       </p:par>
     </p:tnLst>
   </p:timing>
@@ -4530,7 +4529,7 @@
   <a:extraClrSchemeLst/>
   <a:extLst>
     <a:ext uri="{05A4C25C-085E-4340-85A3-A5531E510DB2}">
-      <thm15:themeFamily xmlns:thm15="http://schemas.microsoft.com/office/thememl/2012/main" xmlns="" name="Office Theme" id="{62F939B6-93AF-4DB8-9C6B-D6C7DFDC589F}" vid="{4A3C46E8-61CC-4603-A589-7422A47A8E4A}"/>
+      <thm15:themeFamily xmlns:thm15="http://schemas.microsoft.com/office/thememl/2012/main" name="Office Theme" id="{62F939B6-93AF-4DB8-9C6B-D6C7DFDC589F}" vid="{4A3C46E8-61CC-4603-A589-7422A47A8E4A}"/>
     </a:ext>
   </a:extLst>
 </a:theme>
